--- a/AppReviewCollector.pptx
+++ b/AppReviewCollector.pptx
@@ -8,6 +8,7 @@
     <p:sldId id="256" r:id="rId2"/>
     <p:sldId id="257" r:id="rId3"/>
     <p:sldId id="258" r:id="rId4"/>
+    <p:sldId id="259" r:id="rId5"/>
   </p:sldIdLst>
   <p:sldSz cx="12192000" cy="6858000"/>
   <p:notesSz cx="6858000" cy="9144000"/>
@@ -2461,7 +2462,7 @@
           <a:p>
             <a:fld id="{3C04E684-10F4-4CC3-A0B9-F03AA7BE37CF}" type="datetimeFigureOut">
               <a:rPr lang="en-US" smtClean="0"/>
-              <a:t>7/21/2020</a:t>
+              <a:t>7/22/2020</a:t>
             </a:fld>
             <a:endParaRPr lang="en-US"/>
           </a:p>
@@ -4951,7 +4952,7 @@
           <a:p>
             <a:fld id="{3C04E684-10F4-4CC3-A0B9-F03AA7BE37CF}" type="datetimeFigureOut">
               <a:rPr lang="en-US" smtClean="0"/>
-              <a:t>7/21/2020</a:t>
+              <a:t>7/22/2020</a:t>
             </a:fld>
             <a:endParaRPr lang="en-US"/>
           </a:p>
@@ -5149,7 +5150,7 @@
           <a:p>
             <a:fld id="{3C04E684-10F4-4CC3-A0B9-F03AA7BE37CF}" type="datetimeFigureOut">
               <a:rPr lang="en-US" smtClean="0"/>
-              <a:t>7/21/2020</a:t>
+              <a:t>7/22/2020</a:t>
             </a:fld>
             <a:endParaRPr lang="en-US"/>
           </a:p>
@@ -5357,7 +5358,7 @@
           <a:p>
             <a:fld id="{3C04E684-10F4-4CC3-A0B9-F03AA7BE37CF}" type="datetimeFigureOut">
               <a:rPr lang="en-US" smtClean="0"/>
-              <a:t>7/21/2020</a:t>
+              <a:t>7/22/2020</a:t>
             </a:fld>
             <a:endParaRPr lang="en-US"/>
           </a:p>
@@ -6094,7 +6095,7 @@
           <a:p>
             <a:fld id="{3C04E684-10F4-4CC3-A0B9-F03AA7BE37CF}" type="datetimeFigureOut">
               <a:rPr lang="en-US" smtClean="0"/>
-              <a:t>7/21/2020</a:t>
+              <a:t>7/22/2020</a:t>
             </a:fld>
             <a:endParaRPr lang="en-US"/>
           </a:p>
@@ -6736,7 +6737,7 @@
           <a:p>
             <a:fld id="{3C04E684-10F4-4CC3-A0B9-F03AA7BE37CF}" type="datetimeFigureOut">
               <a:rPr lang="en-US" smtClean="0"/>
-              <a:t>7/21/2020</a:t>
+              <a:t>7/22/2020</a:t>
             </a:fld>
             <a:endParaRPr lang="en-US"/>
           </a:p>
@@ -7536,7 +7537,7 @@
           <a:p>
             <a:fld id="{3C04E684-10F4-4CC3-A0B9-F03AA7BE37CF}" type="datetimeFigureOut">
               <a:rPr lang="en-US" smtClean="0"/>
-              <a:t>7/21/2020</a:t>
+              <a:t>7/22/2020</a:t>
             </a:fld>
             <a:endParaRPr lang="en-US"/>
           </a:p>
@@ -8487,7 +8488,7 @@
           <a:p>
             <a:fld id="{3C04E684-10F4-4CC3-A0B9-F03AA7BE37CF}" type="datetimeFigureOut">
               <a:rPr lang="en-US" smtClean="0"/>
-              <a:t>7/21/2020</a:t>
+              <a:t>7/22/2020</a:t>
             </a:fld>
             <a:endParaRPr lang="en-US"/>
           </a:p>
@@ -10836,7 +10837,7 @@
           <a:p>
             <a:fld id="{3C04E684-10F4-4CC3-A0B9-F03AA7BE37CF}" type="datetimeFigureOut">
               <a:rPr lang="en-US" smtClean="0"/>
-              <a:t>7/21/2020</a:t>
+              <a:t>7/22/2020</a:t>
             </a:fld>
             <a:endParaRPr lang="en-US"/>
           </a:p>
@@ -10949,7 +10950,7 @@
           <a:p>
             <a:fld id="{3C04E684-10F4-4CC3-A0B9-F03AA7BE37CF}" type="datetimeFigureOut">
               <a:rPr lang="en-US" smtClean="0"/>
-              <a:t>7/21/2020</a:t>
+              <a:t>7/22/2020</a:t>
             </a:fld>
             <a:endParaRPr lang="en-US"/>
           </a:p>
@@ -11456,7 +11457,7 @@
           <a:p>
             <a:fld id="{3C04E684-10F4-4CC3-A0B9-F03AA7BE37CF}" type="datetimeFigureOut">
               <a:rPr lang="en-US" smtClean="0"/>
-              <a:t>7/21/2020</a:t>
+              <a:t>7/22/2020</a:t>
             </a:fld>
             <a:endParaRPr lang="en-US"/>
           </a:p>
@@ -12759,7 +12760,7 @@
           <a:p>
             <a:fld id="{3C04E684-10F4-4CC3-A0B9-F03AA7BE37CF}" type="datetimeFigureOut">
               <a:rPr lang="en-US" smtClean="0"/>
-              <a:t>7/21/2020</a:t>
+              <a:t>7/22/2020</a:t>
             </a:fld>
             <a:endParaRPr lang="en-US"/>
           </a:p>
@@ -13006,7 +13007,7 @@
           <a:p>
             <a:fld id="{3C04E684-10F4-4CC3-A0B9-F03AA7BE37CF}" type="datetimeFigureOut">
               <a:rPr lang="en-US" smtClean="0"/>
-              <a:t>7/21/2020</a:t>
+              <a:t>7/22/2020</a:t>
             </a:fld>
             <a:endParaRPr lang="en-US"/>
           </a:p>
@@ -14716,6 +14717,22 @@
             </a:r>
           </a:p>
           <a:p>
+            <a:pPr lvl="2"/>
+            <a:r>
+              <a:rPr kumimoji="1" lang="ja-JP" altLang="en-US" dirty="0"/>
+              <a:t>最新</a:t>
+            </a:r>
+            <a:r>
+              <a:rPr kumimoji="1" lang="en-US" altLang="ja-JP" dirty="0"/>
+              <a:t>500</a:t>
+            </a:r>
+            <a:r>
+              <a:rPr kumimoji="1" lang="ja-JP" altLang="en-US" dirty="0"/>
+              <a:t>件</a:t>
+            </a:r>
+            <a:endParaRPr kumimoji="1" lang="en-US" altLang="ja-JP" dirty="0"/>
+          </a:p>
+          <a:p>
             <a:pPr lvl="1"/>
             <a:r>
               <a:rPr kumimoji="1" lang="en-US" altLang="ja-JP" dirty="0"/>
@@ -14727,15 +14744,34 @@
             </a:r>
             <a:r>
               <a:rPr kumimoji="1" lang="en-US" altLang="ja-JP" dirty="0"/>
-              <a:t>Play(</a:t>
+              <a:t>Play</a:t>
+            </a:r>
+          </a:p>
+          <a:p>
+            <a:pPr lvl="2"/>
+            <a:r>
+              <a:rPr kumimoji="1" lang="en-US" altLang="ja-JP" dirty="0"/>
+              <a:t>Google</a:t>
             </a:r>
             <a:r>
               <a:rPr kumimoji="1" lang="ja-JP" altLang="en-US" dirty="0"/>
-              <a:t>まだ</a:t>
+              <a:t> </a:t>
             </a:r>
             <a:r>
               <a:rPr kumimoji="1" lang="en-US" altLang="ja-JP" dirty="0"/>
-              <a:t>)</a:t>
+              <a:t>play</a:t>
+            </a:r>
+            <a:r>
+              <a:rPr kumimoji="1" lang="ja-JP" altLang="en-US" dirty="0"/>
+              <a:t>が勝手に選んだ</a:t>
+            </a:r>
+            <a:r>
+              <a:rPr kumimoji="1" lang="en-US" altLang="ja-JP" dirty="0"/>
+              <a:t>40</a:t>
+            </a:r>
+            <a:r>
+              <a:rPr kumimoji="1" lang="ja-JP" altLang="en-US"/>
+              <a:t>件</a:t>
             </a:r>
             <a:endParaRPr kumimoji="1" lang="ja-JP" altLang="en-US" dirty="0"/>
           </a:p>
@@ -15105,6 +15141,319 @@
 </p:sld>
 </file>
 
+<file path=ppt/slides/slide4.xml><?xml version="1.0" encoding="utf-8"?>
+<p:sld xmlns:a="http://schemas.openxmlformats.org/drawingml/2006/main" xmlns:r="http://schemas.openxmlformats.org/officeDocument/2006/relationships" xmlns:p="http://schemas.openxmlformats.org/presentationml/2006/main">
+  <p:cSld>
+    <p:spTree>
+      <p:nvGrpSpPr>
+        <p:cNvPr id="1" name=""/>
+        <p:cNvGrpSpPr/>
+        <p:nvPr/>
+      </p:nvGrpSpPr>
+      <p:grpSpPr>
+        <a:xfrm>
+          <a:off x="0" y="0"/>
+          <a:ext cx="0" cy="0"/>
+          <a:chOff x="0" y="0"/>
+          <a:chExt cx="0" cy="0"/>
+        </a:xfrm>
+      </p:grpSpPr>
+      <p:sp>
+        <p:nvSpPr>
+          <p:cNvPr id="2" name="タイトル 1">
+            <a:extLst>
+              <a:ext uri="{FF2B5EF4-FFF2-40B4-BE49-F238E27FC236}">
+                <a16:creationId xmlns:a16="http://schemas.microsoft.com/office/drawing/2014/main" id="{A6857B06-5E66-40F0-A7A8-B1881579F6AE}"/>
+              </a:ext>
+            </a:extLst>
+          </p:cNvPr>
+          <p:cNvSpPr>
+            <a:spLocks noGrp="1"/>
+          </p:cNvSpPr>
+          <p:nvPr>
+            <p:ph type="title"/>
+          </p:nvPr>
+        </p:nvSpPr>
+        <p:spPr/>
+        <p:txBody>
+          <a:bodyPr/>
+          <a:lstStyle/>
+          <a:p>
+            <a:r>
+              <a:rPr kumimoji="1" lang="en-US" altLang="ja-JP" dirty="0"/>
+              <a:t>How to use – Google</a:t>
+            </a:r>
+            <a:r>
+              <a:rPr kumimoji="1" lang="ja-JP" altLang="en-US" dirty="0"/>
+              <a:t> </a:t>
+            </a:r>
+            <a:r>
+              <a:rPr kumimoji="1" lang="en-US" altLang="ja-JP" dirty="0"/>
+              <a:t>Play</a:t>
+            </a:r>
+            <a:endParaRPr kumimoji="1" lang="ja-JP" altLang="en-US" dirty="0"/>
+          </a:p>
+        </p:txBody>
+      </p:sp>
+      <p:pic>
+        <p:nvPicPr>
+          <p:cNvPr id="5" name="図 4">
+            <a:extLst>
+              <a:ext uri="{FF2B5EF4-FFF2-40B4-BE49-F238E27FC236}">
+                <a16:creationId xmlns:a16="http://schemas.microsoft.com/office/drawing/2014/main" id="{65BE47F2-6E49-4ED2-AE96-1FDC52CB8E82}"/>
+              </a:ext>
+            </a:extLst>
+          </p:cNvPr>
+          <p:cNvPicPr>
+            <a:picLocks noChangeAspect="1"/>
+          </p:cNvPicPr>
+          <p:nvPr/>
+        </p:nvPicPr>
+        <p:blipFill>
+          <a:blip r:embed="rId2"/>
+          <a:stretch>
+            <a:fillRect/>
+          </a:stretch>
+        </p:blipFill>
+        <p:spPr>
+          <a:xfrm>
+            <a:off x="838200" y="1619074"/>
+            <a:ext cx="4881344" cy="4257413"/>
+          </a:xfrm>
+          <a:prstGeom prst="rect">
+            <a:avLst/>
+          </a:prstGeom>
+        </p:spPr>
+      </p:pic>
+      <p:sp>
+        <p:nvSpPr>
+          <p:cNvPr id="7" name="吹き出し: 円形 6">
+            <a:extLst>
+              <a:ext uri="{FF2B5EF4-FFF2-40B4-BE49-F238E27FC236}">
+                <a16:creationId xmlns:a16="http://schemas.microsoft.com/office/drawing/2014/main" id="{C095539C-2969-450F-88E1-E5CBEF98D2C4}"/>
+              </a:ext>
+            </a:extLst>
+          </p:cNvPr>
+          <p:cNvSpPr/>
+          <p:nvPr/>
+        </p:nvSpPr>
+        <p:spPr>
+          <a:xfrm>
+            <a:off x="3814763" y="2614613"/>
+            <a:ext cx="2914650" cy="1033461"/>
+          </a:xfrm>
+          <a:prstGeom prst="wedgeEllipseCallout">
+            <a:avLst>
+              <a:gd name="adj1" fmla="val -54652"/>
+              <a:gd name="adj2" fmla="val -117896"/>
+            </a:avLst>
+          </a:prstGeom>
+        </p:spPr>
+        <p:style>
+          <a:lnRef idx="2">
+            <a:schemeClr val="accent1">
+              <a:shade val="50000"/>
+            </a:schemeClr>
+          </a:lnRef>
+          <a:fillRef idx="1">
+            <a:schemeClr val="accent1"/>
+          </a:fillRef>
+          <a:effectRef idx="0">
+            <a:schemeClr val="accent1"/>
+          </a:effectRef>
+          <a:fontRef idx="minor">
+            <a:schemeClr val="lt1"/>
+          </a:fontRef>
+        </p:style>
+        <p:txBody>
+          <a:bodyPr rtlCol="0" anchor="ctr"/>
+          <a:lstStyle/>
+          <a:p>
+            <a:pPr algn="ctr"/>
+            <a:r>
+              <a:rPr kumimoji="1" lang="en-US" altLang="ja-JP" dirty="0"/>
+              <a:t>URL</a:t>
+            </a:r>
+            <a:r>
+              <a:rPr kumimoji="1" lang="ja-JP" altLang="en-US" dirty="0"/>
+              <a:t>から</a:t>
+            </a:r>
+            <a:r>
+              <a:rPr kumimoji="1" lang="en-US" altLang="ja-JP" dirty="0"/>
+              <a:t>ID</a:t>
+            </a:r>
+            <a:r>
+              <a:rPr kumimoji="1" lang="ja-JP" altLang="en-US" dirty="0"/>
+              <a:t>を取得</a:t>
+            </a:r>
+          </a:p>
+        </p:txBody>
+      </p:sp>
+      <p:pic>
+        <p:nvPicPr>
+          <p:cNvPr id="9" name="図 8" descr="スクリーンショットの画面&#10;&#10;自動的に生成された説明">
+            <a:extLst>
+              <a:ext uri="{FF2B5EF4-FFF2-40B4-BE49-F238E27FC236}">
+                <a16:creationId xmlns:a16="http://schemas.microsoft.com/office/drawing/2014/main" id="{EA2E6D41-0A87-4F54-B818-7E6254E4D5CE}"/>
+              </a:ext>
+            </a:extLst>
+          </p:cNvPr>
+          <p:cNvPicPr>
+            <a:picLocks noChangeAspect="1"/>
+          </p:cNvPicPr>
+          <p:nvPr/>
+        </p:nvPicPr>
+        <p:blipFill>
+          <a:blip r:embed="rId3"/>
+          <a:stretch>
+            <a:fillRect/>
+          </a:stretch>
+        </p:blipFill>
+        <p:spPr>
+          <a:xfrm>
+            <a:off x="6810375" y="2386075"/>
+            <a:ext cx="5170309" cy="2908299"/>
+          </a:xfrm>
+          <a:prstGeom prst="rect">
+            <a:avLst/>
+          </a:prstGeom>
+        </p:spPr>
+      </p:pic>
+      <p:sp>
+        <p:nvSpPr>
+          <p:cNvPr id="11" name="吹き出し: 円形 10">
+            <a:extLst>
+              <a:ext uri="{FF2B5EF4-FFF2-40B4-BE49-F238E27FC236}">
+                <a16:creationId xmlns:a16="http://schemas.microsoft.com/office/drawing/2014/main" id="{B80AA043-5AD2-4900-90F0-974E539E18E1}"/>
+              </a:ext>
+            </a:extLst>
+          </p:cNvPr>
+          <p:cNvSpPr/>
+          <p:nvPr/>
+        </p:nvSpPr>
+        <p:spPr>
+          <a:xfrm>
+            <a:off x="5830201" y="3323493"/>
+            <a:ext cx="2914650" cy="1033461"/>
+          </a:xfrm>
+          <a:prstGeom prst="wedgeEllipseCallout">
+            <a:avLst>
+              <a:gd name="adj1" fmla="val 19303"/>
+              <a:gd name="adj2" fmla="val -98414"/>
+            </a:avLst>
+          </a:prstGeom>
+        </p:spPr>
+        <p:style>
+          <a:lnRef idx="2">
+            <a:schemeClr val="accent1">
+              <a:shade val="50000"/>
+            </a:schemeClr>
+          </a:lnRef>
+          <a:fillRef idx="1">
+            <a:schemeClr val="accent1"/>
+          </a:fillRef>
+          <a:effectRef idx="0">
+            <a:schemeClr val="accent1"/>
+          </a:effectRef>
+          <a:fontRef idx="minor">
+            <a:schemeClr val="lt1"/>
+          </a:fontRef>
+        </p:style>
+        <p:txBody>
+          <a:bodyPr rtlCol="0" anchor="ctr"/>
+          <a:lstStyle/>
+          <a:p>
+            <a:pPr algn="ctr"/>
+            <a:r>
+              <a:rPr kumimoji="1" lang="en-US" altLang="ja-JP" dirty="0"/>
+              <a:t>ID(com</a:t>
+            </a:r>
+            <a:r>
+              <a:rPr kumimoji="1" lang="ja-JP" altLang="en-US" dirty="0"/>
+              <a:t>なんちゃら</a:t>
+            </a:r>
+            <a:r>
+              <a:rPr kumimoji="1" lang="en-US" altLang="ja-JP" dirty="0"/>
+              <a:t>)</a:t>
+            </a:r>
+            <a:r>
+              <a:rPr kumimoji="1" lang="ja-JP" altLang="en-US" dirty="0"/>
+              <a:t>のみを設定</a:t>
+            </a:r>
+            <a:endParaRPr kumimoji="1" lang="en-US" altLang="ja-JP" dirty="0"/>
+          </a:p>
+        </p:txBody>
+      </p:sp>
+      <p:sp>
+        <p:nvSpPr>
+          <p:cNvPr id="13" name="吹き出し: 円形 12">
+            <a:extLst>
+              <a:ext uri="{FF2B5EF4-FFF2-40B4-BE49-F238E27FC236}">
+                <a16:creationId xmlns:a16="http://schemas.microsoft.com/office/drawing/2014/main" id="{3EA74525-C358-4CB9-8D38-669941A7E29C}"/>
+              </a:ext>
+            </a:extLst>
+          </p:cNvPr>
+          <p:cNvSpPr/>
+          <p:nvPr/>
+        </p:nvSpPr>
+        <p:spPr>
+          <a:xfrm>
+            <a:off x="8578164" y="3648074"/>
+            <a:ext cx="2914650" cy="1033461"/>
+          </a:xfrm>
+          <a:prstGeom prst="wedgeEllipseCallout">
+            <a:avLst>
+              <a:gd name="adj1" fmla="val -48344"/>
+              <a:gd name="adj2" fmla="val -131594"/>
+            </a:avLst>
+          </a:prstGeom>
+        </p:spPr>
+        <p:style>
+          <a:lnRef idx="2">
+            <a:schemeClr val="accent1">
+              <a:shade val="50000"/>
+            </a:schemeClr>
+          </a:lnRef>
+          <a:fillRef idx="1">
+            <a:schemeClr val="accent1"/>
+          </a:fillRef>
+          <a:effectRef idx="0">
+            <a:schemeClr val="accent1"/>
+          </a:effectRef>
+          <a:fontRef idx="minor">
+            <a:schemeClr val="lt1"/>
+          </a:fontRef>
+        </p:style>
+        <p:txBody>
+          <a:bodyPr rtlCol="0" anchor="ctr"/>
+          <a:lstStyle/>
+          <a:p>
+            <a:pPr algn="ctr"/>
+            <a:r>
+              <a:rPr kumimoji="1" lang="en-US" altLang="ja-JP" dirty="0"/>
+              <a:t>GET</a:t>
+            </a:r>
+            <a:r>
+              <a:rPr kumimoji="1" lang="ja-JP" altLang="en-US" dirty="0"/>
+              <a:t>を押すと保存先を指定してファイルに保存される</a:t>
+            </a:r>
+            <a:endParaRPr kumimoji="1" lang="en-US" altLang="ja-JP" dirty="0"/>
+          </a:p>
+        </p:txBody>
+      </p:sp>
+    </p:spTree>
+    <p:extLst>
+      <p:ext uri="{BB962C8B-B14F-4D97-AF65-F5344CB8AC3E}">
+        <p14:creationId xmlns:p14="http://schemas.microsoft.com/office/powerpoint/2010/main" val="394989418"/>
+      </p:ext>
+    </p:extLst>
+  </p:cSld>
+  <p:clrMapOvr>
+    <a:masterClrMapping/>
+  </p:clrMapOvr>
+</p:sld>
+</file>
+
 <file path=ppt/theme/theme1.xml><?xml version="1.0" encoding="utf-8"?>
 <a:theme xmlns:a="http://schemas.openxmlformats.org/drawingml/2006/main" name="BrushVTI">
   <a:themeElements>
